--- a/Batch-09/Proff Lecture Material/1. INTRODUCTION TO CLOUD COMPUTING.pptx
+++ b/Batch-09/Proff Lecture Material/1. INTRODUCTION TO CLOUD COMPUTING.pptx
@@ -11,9 +11,9 @@
     <p:sldId id="256" r:id="rId2"/>
     <p:sldId id="258" r:id="rId3"/>
     <p:sldId id="259" r:id="rId4"/>
-    <p:sldId id="264" r:id="rId5"/>
-    <p:sldId id="260" r:id="rId6"/>
-    <p:sldId id="265" r:id="rId7"/>
+    <p:sldId id="266" r:id="rId5"/>
+    <p:sldId id="264" r:id="rId6"/>
+    <p:sldId id="260" r:id="rId7"/>
     <p:sldId id="261" r:id="rId8"/>
     <p:sldId id="262" r:id="rId9"/>
     <p:sldId id="263" r:id="rId10"/>
@@ -217,7 +217,7 @@
             <a:fld id="{08FC5E1F-D482-47F1-8EF1-8D2A4BECC6A9}" type="datetimeFigureOut">
               <a:rPr lang="en-US" smtClean="0"/>
               <a:pPr/>
-              <a:t>9/28/2020</a:t>
+              <a:t>8/15/2022</a:t>
             </a:fld>
             <a:endParaRPr lang="en-US"/>
           </a:p>
@@ -736,7 +736,7 @@
             <a:fld id="{65209A39-6C6C-41E2-9F21-AD18AC686941}" type="datetimeFigureOut">
               <a:rPr lang="en-US" smtClean="0"/>
               <a:pPr/>
-              <a:t>9/28/2020</a:t>
+              <a:t>8/15/2022</a:t>
             </a:fld>
             <a:endParaRPr lang="en-US"/>
           </a:p>
@@ -902,7 +902,7 @@
             <a:fld id="{65209A39-6C6C-41E2-9F21-AD18AC686941}" type="datetimeFigureOut">
               <a:rPr lang="en-US" smtClean="0"/>
               <a:pPr/>
-              <a:t>9/28/2020</a:t>
+              <a:t>8/15/2022</a:t>
             </a:fld>
             <a:endParaRPr lang="en-US"/>
           </a:p>
@@ -1078,7 +1078,7 @@
             <a:fld id="{65209A39-6C6C-41E2-9F21-AD18AC686941}" type="datetimeFigureOut">
               <a:rPr lang="en-US" smtClean="0"/>
               <a:pPr/>
-              <a:t>9/28/2020</a:t>
+              <a:t>8/15/2022</a:t>
             </a:fld>
             <a:endParaRPr lang="en-US"/>
           </a:p>
@@ -1244,7 +1244,7 @@
             <a:fld id="{65209A39-6C6C-41E2-9F21-AD18AC686941}" type="datetimeFigureOut">
               <a:rPr lang="en-US" smtClean="0"/>
               <a:pPr/>
-              <a:t>9/28/2020</a:t>
+              <a:t>8/15/2022</a:t>
             </a:fld>
             <a:endParaRPr lang="en-US"/>
           </a:p>
@@ -1487,7 +1487,7 @@
             <a:fld id="{65209A39-6C6C-41E2-9F21-AD18AC686941}" type="datetimeFigureOut">
               <a:rPr lang="en-US" smtClean="0"/>
               <a:pPr/>
-              <a:t>9/28/2020</a:t>
+              <a:t>8/15/2022</a:t>
             </a:fld>
             <a:endParaRPr lang="en-US"/>
           </a:p>
@@ -1752,7 +1752,7 @@
             <a:fld id="{65209A39-6C6C-41E2-9F21-AD18AC686941}" type="datetimeFigureOut">
               <a:rPr lang="en-US" smtClean="0"/>
               <a:pPr/>
-              <a:t>9/28/2020</a:t>
+              <a:t>8/15/2022</a:t>
             </a:fld>
             <a:endParaRPr lang="en-US"/>
           </a:p>
@@ -2131,7 +2131,7 @@
             <a:fld id="{65209A39-6C6C-41E2-9F21-AD18AC686941}" type="datetimeFigureOut">
               <a:rPr lang="en-US" smtClean="0"/>
               <a:pPr/>
-              <a:t>9/28/2020</a:t>
+              <a:t>8/15/2022</a:t>
             </a:fld>
             <a:endParaRPr lang="en-US"/>
           </a:p>
@@ -2282,7 +2282,7 @@
             <a:fld id="{65209A39-6C6C-41E2-9F21-AD18AC686941}" type="datetimeFigureOut">
               <a:rPr lang="en-US" smtClean="0"/>
               <a:pPr/>
-              <a:t>9/28/2020</a:t>
+              <a:t>8/15/2022</a:t>
             </a:fld>
             <a:endParaRPr lang="en-US"/>
           </a:p>
@@ -2374,7 +2374,7 @@
             <a:fld id="{65209A39-6C6C-41E2-9F21-AD18AC686941}" type="datetimeFigureOut">
               <a:rPr lang="en-US" smtClean="0"/>
               <a:pPr/>
-              <a:t>9/28/2020</a:t>
+              <a:t>8/15/2022</a:t>
             </a:fld>
             <a:endParaRPr lang="en-US"/>
           </a:p>
@@ -2636,7 +2636,7 @@
             <a:fld id="{65209A39-6C6C-41E2-9F21-AD18AC686941}" type="datetimeFigureOut">
               <a:rPr lang="en-US" smtClean="0"/>
               <a:pPr/>
-              <a:t>9/28/2020</a:t>
+              <a:t>8/15/2022</a:t>
             </a:fld>
             <a:endParaRPr lang="en-US"/>
           </a:p>
@@ -2925,7 +2925,7 @@
             <a:fld id="{65209A39-6C6C-41E2-9F21-AD18AC686941}" type="datetimeFigureOut">
               <a:rPr lang="en-US" smtClean="0"/>
               <a:pPr/>
-              <a:t>9/28/2020</a:t>
+              <a:t>8/15/2022</a:t>
             </a:fld>
             <a:endParaRPr lang="en-US"/>
           </a:p>
@@ -3696,7 +3696,7 @@
             <a:fld id="{65209A39-6C6C-41E2-9F21-AD18AC686941}" type="datetimeFigureOut">
               <a:rPr lang="en-US" smtClean="0"/>
               <a:pPr/>
-              <a:t>9/28/2020</a:t>
+              <a:t>8/15/2022</a:t>
             </a:fld>
             <a:endParaRPr lang="en-US"/>
           </a:p>
@@ -4438,6 +4438,17 @@
             </a:pPr>
             <a:r>
               <a:rPr lang="en-US" b="1" dirty="0"/>
+              <a:t>What is Cloud computing?</a:t>
+            </a:r>
+          </a:p>
+          <a:p>
+            <a:pPr lvl="1">
+              <a:lnSpc>
+                <a:spcPct val="150000"/>
+              </a:lnSpc>
+            </a:pPr>
+            <a:r>
+              <a:rPr lang="en-US" b="1" dirty="0"/>
               <a:t>Why Cloud Computing? </a:t>
             </a:r>
           </a:p>
@@ -4516,12 +4527,24 @@
         </p:nvSpPr>
         <p:spPr/>
         <p:txBody>
-          <a:bodyPr/>
-          <a:lstStyle/>
-          <a:p>
+          <a:bodyPr>
+            <a:normAutofit fontScale="92500" lnSpcReduction="20000"/>
+          </a:bodyPr>
+          <a:lstStyle/>
+          <a:p>
+            <a:r>
+              <a:rPr lang="en-US" b="1" dirty="0"/>
+              <a:t>Information technology </a:t>
+            </a:r>
             <a:r>
               <a:rPr lang="en-US" dirty="0"/>
-              <a:t>Cloud computing is the on-demand delivery of IT resources  and apps through internet with pay-as-you-go pricing model. </a:t>
+              <a:t>(IT) is the use of any computers, storage, networking and other devices, infrastructure and processes to create, process, store, secure and exchange all forms of electronic data</a:t>
+            </a:r>
+          </a:p>
+          <a:p>
+            <a:r>
+              <a:rPr lang="en-US" dirty="0"/>
+              <a:t>Cloud computing is the on-demand delivery of IT resources  and applications through internet with pay-as-you-go pricing model. </a:t>
             </a:r>
           </a:p>
           <a:p>
@@ -4595,10 +4618,10 @@
       </p:sp>
       <p:pic>
         <p:nvPicPr>
-          <p:cNvPr id="5" name="Content Placeholder 4" descr="A picture containing computer, machine, person, standing&#10;&#10;Description automatically generated">
+          <p:cNvPr id="7" name="Content Placeholder 6" descr="A person standing in a server room&#10;&#10;Description automatically generated with medium confidence">
             <a:extLst>
               <a:ext uri="{FF2B5EF4-FFF2-40B4-BE49-F238E27FC236}">
-                <a16:creationId xmlns:a16="http://schemas.microsoft.com/office/drawing/2014/main" id="{A1154939-768C-4791-8C1F-278EAE1089B4}"/>
+                <a16:creationId xmlns:a16="http://schemas.microsoft.com/office/drawing/2014/main" id="{026010F8-DA63-44B9-97CC-508BCEDBD805}"/>
               </a:ext>
             </a:extLst>
           </p:cNvPr>
@@ -4623,15 +4646,15 @@
         </p:blipFill>
         <p:spPr>
           <a:xfrm>
-            <a:off x="457200" y="2849432"/>
-            <a:ext cx="8229600" cy="2560898"/>
+            <a:off x="990600" y="2229644"/>
+            <a:ext cx="7391400" cy="4094956"/>
           </a:xfrm>
         </p:spPr>
       </p:pic>
     </p:spTree>
     <p:extLst>
       <p:ext uri="{BB962C8B-B14F-4D97-AF65-F5344CB8AC3E}">
-        <p14:creationId xmlns:p14="http://schemas.microsoft.com/office/powerpoint/2010/main" val="1076231356"/>
+        <p14:creationId xmlns:p14="http://schemas.microsoft.com/office/powerpoint/2010/main" val="4111235610"/>
       </p:ext>
     </p:extLst>
   </p:cSld>
@@ -4660,7 +4683,13 @@
       </p:grpSpPr>
       <p:sp>
         <p:nvSpPr>
-          <p:cNvPr id="2" name="Title 1"/>
+          <p:cNvPr id="2" name="Title 1">
+            <a:extLst>
+              <a:ext uri="{FF2B5EF4-FFF2-40B4-BE49-F238E27FC236}">
+                <a16:creationId xmlns:a16="http://schemas.microsoft.com/office/drawing/2014/main" id="{163C3D18-0E9D-4947-B319-1732B1AFA6F0}"/>
+              </a:ext>
+            </a:extLst>
+          </p:cNvPr>
           <p:cNvSpPr>
             <a:spLocks noGrp="1"/>
           </p:cNvSpPr>
@@ -4668,57 +4697,60 @@
             <p:ph type="title"/>
           </p:nvPr>
         </p:nvSpPr>
+        <p:spPr/>
+        <p:txBody>
+          <a:bodyPr/>
+          <a:lstStyle/>
+          <a:p>
+            <a:pPr algn="ctr"/>
+            <a:r>
+              <a:rPr lang="en-US" dirty="0"/>
+              <a:t>IT Resource Management</a:t>
+            </a:r>
+          </a:p>
+        </p:txBody>
+      </p:sp>
+      <p:pic>
+        <p:nvPicPr>
+          <p:cNvPr id="7" name="Content Placeholder 6" descr="A person standing in a server room&#10;&#10;Description automatically generated with medium confidence">
+            <a:extLst>
+              <a:ext uri="{FF2B5EF4-FFF2-40B4-BE49-F238E27FC236}">
+                <a16:creationId xmlns:a16="http://schemas.microsoft.com/office/drawing/2014/main" id="{56E5A3F7-7175-4249-AA11-FEB877C1EDB5}"/>
+              </a:ext>
+            </a:extLst>
+          </p:cNvPr>
+          <p:cNvPicPr>
+            <a:picLocks noGrp="1" noChangeAspect="1"/>
+          </p:cNvPicPr>
+          <p:nvPr>
+            <p:ph idx="1"/>
+          </p:nvPr>
+        </p:nvPicPr>
+        <p:blipFill>
+          <a:blip r:embed="rId2">
+            <a:extLst>
+              <a:ext uri="{28A0092B-C50C-407E-A947-70E740481C1C}">
+                <a14:useLocalDpi xmlns:a14="http://schemas.microsoft.com/office/drawing/2010/main" val="0"/>
+              </a:ext>
+            </a:extLst>
+          </a:blip>
+          <a:stretch>
+            <a:fillRect/>
+          </a:stretch>
+        </p:blipFill>
         <p:spPr>
           <a:xfrm>
-            <a:off x="457200" y="914400"/>
-            <a:ext cx="8229600" cy="1143000"/>
+            <a:off x="2190750" y="2672556"/>
+            <a:ext cx="4762500" cy="2914650"/>
           </a:xfrm>
         </p:spPr>
-        <p:txBody>
-          <a:bodyPr/>
-          <a:lstStyle/>
-          <a:p>
-            <a:r>
-              <a:rPr lang="en-US" b="1" dirty="0"/>
-              <a:t>Definition of Cloud Computing</a:t>
-            </a:r>
-          </a:p>
-        </p:txBody>
-      </p:sp>
-      <p:sp>
-        <p:nvSpPr>
-          <p:cNvPr id="3" name="Content Placeholder 2"/>
-          <p:cNvSpPr>
-            <a:spLocks noGrp="1"/>
-          </p:cNvSpPr>
-          <p:nvPr>
-            <p:ph idx="1"/>
-          </p:nvPr>
-        </p:nvSpPr>
-        <p:spPr>
-          <a:xfrm>
-            <a:off x="457200" y="2392680"/>
-            <a:ext cx="8229600" cy="3169920"/>
-          </a:xfrm>
-        </p:spPr>
-        <p:txBody>
-          <a:bodyPr/>
-          <a:lstStyle/>
-          <a:p>
-            <a:r>
-              <a:rPr lang="en-US" dirty="0"/>
-              <a:t>Cloud computing provides an easy way to access servers, storage, databases, and a broad set of application services  over the internet. </a:t>
-            </a:r>
-          </a:p>
-          <a:p>
-            <a:r>
-              <a:rPr lang="en-US" dirty="0"/>
-              <a:t>Cloud computing providers such as AWS owns and  maintain the network-connected hardware required for those  application services, while you provision and use what you need for  your workloads. </a:t>
-            </a:r>
-          </a:p>
-        </p:txBody>
-      </p:sp>
+      </p:pic>
     </p:spTree>
+    <p:extLst>
+      <p:ext uri="{BB962C8B-B14F-4D97-AF65-F5344CB8AC3E}">
+        <p14:creationId xmlns:p14="http://schemas.microsoft.com/office/powerpoint/2010/main" val="1076231356"/>
+      </p:ext>
+    </p:extLst>
   </p:cSld>
   <p:clrMapOvr>
     <a:masterClrMapping/>
@@ -4745,13 +4777,7 @@
       </p:grpSpPr>
       <p:sp>
         <p:nvSpPr>
-          <p:cNvPr id="2" name="Title 1">
-            <a:extLst>
-              <a:ext uri="{FF2B5EF4-FFF2-40B4-BE49-F238E27FC236}">
-                <a16:creationId xmlns:a16="http://schemas.microsoft.com/office/drawing/2014/main" id="{5464680A-A1C1-4AAA-BB30-EDC06FB80B7A}"/>
-              </a:ext>
-            </a:extLst>
-          </p:cNvPr>
+          <p:cNvPr id="2" name="Title 1"/>
           <p:cNvSpPr>
             <a:spLocks noGrp="1"/>
           </p:cNvSpPr>
@@ -4759,60 +4785,57 @@
             <p:ph type="title"/>
           </p:nvPr>
         </p:nvSpPr>
-        <p:spPr/>
-        <p:txBody>
-          <a:bodyPr/>
-          <a:lstStyle/>
-          <a:p>
-            <a:pPr algn="ctr"/>
-            <a:r>
-              <a:rPr lang="en-US" dirty="0"/>
-              <a:t>Hybrid Environment</a:t>
-            </a:r>
-          </a:p>
-        </p:txBody>
-      </p:sp>
-      <p:pic>
-        <p:nvPicPr>
-          <p:cNvPr id="5" name="Content Placeholder 4" descr="A picture containing computer, indoor, library, table&#10;&#10;Description automatically generated">
-            <a:extLst>
-              <a:ext uri="{FF2B5EF4-FFF2-40B4-BE49-F238E27FC236}">
-                <a16:creationId xmlns:a16="http://schemas.microsoft.com/office/drawing/2014/main" id="{8C119BBF-3626-482E-B6B2-2FE805820096}"/>
-              </a:ext>
-            </a:extLst>
-          </p:cNvPr>
-          <p:cNvPicPr>
-            <a:picLocks noGrp="1" noChangeAspect="1"/>
-          </p:cNvPicPr>
-          <p:nvPr>
-            <p:ph idx="1"/>
-          </p:nvPr>
-        </p:nvPicPr>
-        <p:blipFill>
-          <a:blip r:embed="rId2">
-            <a:extLst>
-              <a:ext uri="{28A0092B-C50C-407E-A947-70E740481C1C}">
-                <a14:useLocalDpi xmlns:a14="http://schemas.microsoft.com/office/drawing/2010/main" val="0"/>
-              </a:ext>
-            </a:extLst>
-          </a:blip>
-          <a:stretch>
-            <a:fillRect/>
-          </a:stretch>
-        </p:blipFill>
         <p:spPr>
           <a:xfrm>
-            <a:off x="1405849" y="1935163"/>
-            <a:ext cx="6332302" cy="4389437"/>
+            <a:off x="457200" y="914400"/>
+            <a:ext cx="8229600" cy="1143000"/>
           </a:xfrm>
         </p:spPr>
-      </p:pic>
+        <p:txBody>
+          <a:bodyPr/>
+          <a:lstStyle/>
+          <a:p>
+            <a:r>
+              <a:rPr lang="en-US" b="1" dirty="0"/>
+              <a:t>Definition of Cloud Computing</a:t>
+            </a:r>
+          </a:p>
+        </p:txBody>
+      </p:sp>
+      <p:sp>
+        <p:nvSpPr>
+          <p:cNvPr id="3" name="Content Placeholder 2"/>
+          <p:cNvSpPr>
+            <a:spLocks noGrp="1"/>
+          </p:cNvSpPr>
+          <p:nvPr>
+            <p:ph idx="1"/>
+          </p:nvPr>
+        </p:nvSpPr>
+        <p:spPr>
+          <a:xfrm>
+            <a:off x="457200" y="2392680"/>
+            <a:ext cx="8229600" cy="3169920"/>
+          </a:xfrm>
+        </p:spPr>
+        <p:txBody>
+          <a:bodyPr/>
+          <a:lstStyle/>
+          <a:p>
+            <a:r>
+              <a:rPr lang="en-US" dirty="0"/>
+              <a:t>Cloud computing provides an easy way to access servers, storage, databases, and a broad set of application services  over the internet. </a:t>
+            </a:r>
+          </a:p>
+          <a:p>
+            <a:r>
+              <a:rPr lang="en-US" dirty="0"/>
+              <a:t>Cloud computing providers such as AWS owns and  maintain the network-connected hardware required for those  application services, while you provision and use what you need for  your workloads. </a:t>
+            </a:r>
+          </a:p>
+        </p:txBody>
+      </p:sp>
     </p:spTree>
-    <p:extLst>
-      <p:ext uri="{BB962C8B-B14F-4D97-AF65-F5344CB8AC3E}">
-        <p14:creationId xmlns:p14="http://schemas.microsoft.com/office/powerpoint/2010/main" val="3763281141"/>
-      </p:ext>
-    </p:extLst>
   </p:cSld>
   <p:clrMapOvr>
     <a:masterClrMapping/>
@@ -5156,7 +5179,7 @@
             <a:pPr lvl="2"/>
             <a:r>
               <a:rPr lang="en-US" i="1" dirty="0"/>
-              <a:t>However storing data on an external service providers always  bears a risk. </a:t>
+              <a:t>However, storing data on an external service providers always  bears a risk. </a:t>
             </a:r>
           </a:p>
           <a:p>
